--- a/ppt 16-9/1088.全路程救主.pptx
+++ b/ppt 16-9/1088.全路程救主.pptx
@@ -5,7 +5,7 @@
     <p:sldMasterId id="2147483648" r:id="rId1"/>
   </p:sldMasterIdLst>
   <p:sldIdLst>
-    <p:sldId id="545" r:id="rId2"/>
+    <p:sldId id="546" r:id="rId2"/>
   </p:sldIdLst>
   <p:sldSz cx="12192000" cy="6858000"/>
   <p:notesSz cx="6858000" cy="9144000"/>
@@ -129,7 +129,7 @@
           <p:cNvPr id="2" name="标题 1">
             <a:extLst>
               <a:ext uri="{FF2B5EF4-FFF2-40B4-BE49-F238E27FC236}">
-                <a16:creationId xmlns:a16="http://schemas.microsoft.com/office/drawing/2014/main" id="{6495E7AD-1CDE-8886-1863-D5E51C96F774}"/>
+                <a16:creationId xmlns:a16="http://schemas.microsoft.com/office/drawing/2014/main" id="{0FFD9160-17C5-D123-F492-B00166C0CF5B}"/>
               </a:ext>
             </a:extLst>
           </p:cNvPr>
@@ -166,7 +166,7 @@
           <p:cNvPr id="3" name="副标题 2">
             <a:extLst>
               <a:ext uri="{FF2B5EF4-FFF2-40B4-BE49-F238E27FC236}">
-                <a16:creationId xmlns:a16="http://schemas.microsoft.com/office/drawing/2014/main" id="{6B2A2C2C-5C46-9377-CC3A-6F35CC682F96}"/>
+                <a16:creationId xmlns:a16="http://schemas.microsoft.com/office/drawing/2014/main" id="{57404271-E5F1-E0FA-B0D0-87AF91D74084}"/>
               </a:ext>
             </a:extLst>
           </p:cNvPr>
@@ -236,7 +236,7 @@
           <p:cNvPr id="4" name="日期占位符 3">
             <a:extLst>
               <a:ext uri="{FF2B5EF4-FFF2-40B4-BE49-F238E27FC236}">
-                <a16:creationId xmlns:a16="http://schemas.microsoft.com/office/drawing/2014/main" id="{25E130CC-89E5-6388-3094-6D90BCB8CE01}"/>
+                <a16:creationId xmlns:a16="http://schemas.microsoft.com/office/drawing/2014/main" id="{0F1652B7-1E9D-54C1-3F56-BE3AA508C733}"/>
               </a:ext>
             </a:extLst>
           </p:cNvPr>
@@ -252,7 +252,7 @@
           <a:bodyPr/>
           <a:lstStyle/>
           <a:p>
-            <a:fld id="{15B8B784-1C0F-4E43-B19E-3B8FC95B1044}" type="datetimeFigureOut">
+            <a:fld id="{F2F8D19B-2A9A-455E-9C56-ACA2C4BEA96C}" type="datetimeFigureOut">
               <a:rPr lang="zh-CN" altLang="en-US" smtClean="0"/>
               <a:t>2024/3/10</a:t>
             </a:fld>
@@ -265,7 +265,7 @@
           <p:cNvPr id="5" name="页脚占位符 4">
             <a:extLst>
               <a:ext uri="{FF2B5EF4-FFF2-40B4-BE49-F238E27FC236}">
-                <a16:creationId xmlns:a16="http://schemas.microsoft.com/office/drawing/2014/main" id="{826257E9-5004-32BC-C2A2-6464D400D7A9}"/>
+                <a16:creationId xmlns:a16="http://schemas.microsoft.com/office/drawing/2014/main" id="{0AD9D530-2581-FDE8-C4A5-418CD5F3DA9C}"/>
               </a:ext>
             </a:extLst>
           </p:cNvPr>
@@ -290,7 +290,7 @@
           <p:cNvPr id="6" name="灯片编号占位符 5">
             <a:extLst>
               <a:ext uri="{FF2B5EF4-FFF2-40B4-BE49-F238E27FC236}">
-                <a16:creationId xmlns:a16="http://schemas.microsoft.com/office/drawing/2014/main" id="{8E97EFDE-B190-92B2-2592-EA53E1992BA3}"/>
+                <a16:creationId xmlns:a16="http://schemas.microsoft.com/office/drawing/2014/main" id="{81BD568F-01BF-F53A-76CE-A427DAC2DFF8}"/>
               </a:ext>
             </a:extLst>
           </p:cNvPr>
@@ -306,7 +306,7 @@
           <a:bodyPr/>
           <a:lstStyle/>
           <a:p>
-            <a:fld id="{356B963D-3557-4FBE-B604-647391FAC3C5}" type="slidenum">
+            <a:fld id="{D5D9C1A4-A130-4C7C-9424-77C4AA1F7AB9}" type="slidenum">
               <a:rPr lang="zh-CN" altLang="en-US" smtClean="0"/>
               <a:t>‹#›</a:t>
             </a:fld>
@@ -317,7 +317,7 @@
     </p:spTree>
     <p:extLst>
       <p:ext uri="{BB962C8B-B14F-4D97-AF65-F5344CB8AC3E}">
-        <p14:creationId xmlns:p14="http://schemas.microsoft.com/office/powerpoint/2010/main" val="1429813288"/>
+        <p14:creationId xmlns:p14="http://schemas.microsoft.com/office/powerpoint/2010/main" val="2137506290"/>
       </p:ext>
     </p:extLst>
   </p:cSld>
@@ -349,7 +349,7 @@
           <p:cNvPr id="2" name="标题 1">
             <a:extLst>
               <a:ext uri="{FF2B5EF4-FFF2-40B4-BE49-F238E27FC236}">
-                <a16:creationId xmlns:a16="http://schemas.microsoft.com/office/drawing/2014/main" id="{FAD35A64-7CF8-D3DF-546F-6A0B93B42178}"/>
+                <a16:creationId xmlns:a16="http://schemas.microsoft.com/office/drawing/2014/main" id="{92ADDF22-4742-B684-C3BE-D536CBD73464}"/>
               </a:ext>
             </a:extLst>
           </p:cNvPr>
@@ -377,7 +377,7 @@
           <p:cNvPr id="3" name="竖排文字占位符 2">
             <a:extLst>
               <a:ext uri="{FF2B5EF4-FFF2-40B4-BE49-F238E27FC236}">
-                <a16:creationId xmlns:a16="http://schemas.microsoft.com/office/drawing/2014/main" id="{15E41E92-0078-93E4-70A3-468647650725}"/>
+                <a16:creationId xmlns:a16="http://schemas.microsoft.com/office/drawing/2014/main" id="{1C93DFF9-1D9B-D33F-9040-85A4863C9E3E}"/>
               </a:ext>
             </a:extLst>
           </p:cNvPr>
@@ -434,7 +434,7 @@
           <p:cNvPr id="4" name="日期占位符 3">
             <a:extLst>
               <a:ext uri="{FF2B5EF4-FFF2-40B4-BE49-F238E27FC236}">
-                <a16:creationId xmlns:a16="http://schemas.microsoft.com/office/drawing/2014/main" id="{6E939DEE-3952-30B2-693F-4E082CC89479}"/>
+                <a16:creationId xmlns:a16="http://schemas.microsoft.com/office/drawing/2014/main" id="{39E3C005-0896-1AD5-CC0B-035CAF0C10E9}"/>
               </a:ext>
             </a:extLst>
           </p:cNvPr>
@@ -450,7 +450,7 @@
           <a:bodyPr/>
           <a:lstStyle/>
           <a:p>
-            <a:fld id="{15B8B784-1C0F-4E43-B19E-3B8FC95B1044}" type="datetimeFigureOut">
+            <a:fld id="{F2F8D19B-2A9A-455E-9C56-ACA2C4BEA96C}" type="datetimeFigureOut">
               <a:rPr lang="zh-CN" altLang="en-US" smtClean="0"/>
               <a:t>2024/3/10</a:t>
             </a:fld>
@@ -463,7 +463,7 @@
           <p:cNvPr id="5" name="页脚占位符 4">
             <a:extLst>
               <a:ext uri="{FF2B5EF4-FFF2-40B4-BE49-F238E27FC236}">
-                <a16:creationId xmlns:a16="http://schemas.microsoft.com/office/drawing/2014/main" id="{1A6B907B-2636-9835-C862-F75001C80D7A}"/>
+                <a16:creationId xmlns:a16="http://schemas.microsoft.com/office/drawing/2014/main" id="{86947123-27A3-C5D0-3230-D511B0411C66}"/>
               </a:ext>
             </a:extLst>
           </p:cNvPr>
@@ -488,7 +488,7 @@
           <p:cNvPr id="6" name="灯片编号占位符 5">
             <a:extLst>
               <a:ext uri="{FF2B5EF4-FFF2-40B4-BE49-F238E27FC236}">
-                <a16:creationId xmlns:a16="http://schemas.microsoft.com/office/drawing/2014/main" id="{18220F46-3BA7-B343-FCE7-2E432DE29FC0}"/>
+                <a16:creationId xmlns:a16="http://schemas.microsoft.com/office/drawing/2014/main" id="{30E80ADC-4594-3349-E0A2-2D55B925B62C}"/>
               </a:ext>
             </a:extLst>
           </p:cNvPr>
@@ -504,7 +504,7 @@
           <a:bodyPr/>
           <a:lstStyle/>
           <a:p>
-            <a:fld id="{356B963D-3557-4FBE-B604-647391FAC3C5}" type="slidenum">
+            <a:fld id="{D5D9C1A4-A130-4C7C-9424-77C4AA1F7AB9}" type="slidenum">
               <a:rPr lang="zh-CN" altLang="en-US" smtClean="0"/>
               <a:t>‹#›</a:t>
             </a:fld>
@@ -515,7 +515,7 @@
     </p:spTree>
     <p:extLst>
       <p:ext uri="{BB962C8B-B14F-4D97-AF65-F5344CB8AC3E}">
-        <p14:creationId xmlns:p14="http://schemas.microsoft.com/office/powerpoint/2010/main" val="2437877907"/>
+        <p14:creationId xmlns:p14="http://schemas.microsoft.com/office/powerpoint/2010/main" val="3383435289"/>
       </p:ext>
     </p:extLst>
   </p:cSld>
@@ -547,7 +547,7 @@
           <p:cNvPr id="2" name="竖排标题 1">
             <a:extLst>
               <a:ext uri="{FF2B5EF4-FFF2-40B4-BE49-F238E27FC236}">
-                <a16:creationId xmlns:a16="http://schemas.microsoft.com/office/drawing/2014/main" id="{74F99C2E-3EA2-A4FB-1CA5-2347942019B4}"/>
+                <a16:creationId xmlns:a16="http://schemas.microsoft.com/office/drawing/2014/main" id="{DF668041-7D0F-1F61-2B4B-26221D4379B1}"/>
               </a:ext>
             </a:extLst>
           </p:cNvPr>
@@ -580,7 +580,7 @@
           <p:cNvPr id="3" name="竖排文字占位符 2">
             <a:extLst>
               <a:ext uri="{FF2B5EF4-FFF2-40B4-BE49-F238E27FC236}">
-                <a16:creationId xmlns:a16="http://schemas.microsoft.com/office/drawing/2014/main" id="{49250A57-8025-706C-946D-96ACF6F8C85F}"/>
+                <a16:creationId xmlns:a16="http://schemas.microsoft.com/office/drawing/2014/main" id="{D8E58DAE-31A9-831A-35D8-488C098FA880}"/>
               </a:ext>
             </a:extLst>
           </p:cNvPr>
@@ -642,7 +642,7 @@
           <p:cNvPr id="4" name="日期占位符 3">
             <a:extLst>
               <a:ext uri="{FF2B5EF4-FFF2-40B4-BE49-F238E27FC236}">
-                <a16:creationId xmlns:a16="http://schemas.microsoft.com/office/drawing/2014/main" id="{7CCD5E77-2E65-80DF-B699-26B21C512A78}"/>
+                <a16:creationId xmlns:a16="http://schemas.microsoft.com/office/drawing/2014/main" id="{0FDF8D38-9236-2EE4-6847-5B93AF7DFB2D}"/>
               </a:ext>
             </a:extLst>
           </p:cNvPr>
@@ -658,7 +658,7 @@
           <a:bodyPr/>
           <a:lstStyle/>
           <a:p>
-            <a:fld id="{15B8B784-1C0F-4E43-B19E-3B8FC95B1044}" type="datetimeFigureOut">
+            <a:fld id="{F2F8D19B-2A9A-455E-9C56-ACA2C4BEA96C}" type="datetimeFigureOut">
               <a:rPr lang="zh-CN" altLang="en-US" smtClean="0"/>
               <a:t>2024/3/10</a:t>
             </a:fld>
@@ -671,7 +671,7 @@
           <p:cNvPr id="5" name="页脚占位符 4">
             <a:extLst>
               <a:ext uri="{FF2B5EF4-FFF2-40B4-BE49-F238E27FC236}">
-                <a16:creationId xmlns:a16="http://schemas.microsoft.com/office/drawing/2014/main" id="{80C5D26F-8E4F-1B57-4EBF-7C3809266C78}"/>
+                <a16:creationId xmlns:a16="http://schemas.microsoft.com/office/drawing/2014/main" id="{1725B213-2D69-38B9-B691-66E5C6D8E139}"/>
               </a:ext>
             </a:extLst>
           </p:cNvPr>
@@ -696,7 +696,7 @@
           <p:cNvPr id="6" name="灯片编号占位符 5">
             <a:extLst>
               <a:ext uri="{FF2B5EF4-FFF2-40B4-BE49-F238E27FC236}">
-                <a16:creationId xmlns:a16="http://schemas.microsoft.com/office/drawing/2014/main" id="{F78AAF44-F072-3A50-7C2A-69308D56A17A}"/>
+                <a16:creationId xmlns:a16="http://schemas.microsoft.com/office/drawing/2014/main" id="{F8285D2D-A572-46C1-ABC8-C3D522F05079}"/>
               </a:ext>
             </a:extLst>
           </p:cNvPr>
@@ -712,7 +712,7 @@
           <a:bodyPr/>
           <a:lstStyle/>
           <a:p>
-            <a:fld id="{356B963D-3557-4FBE-B604-647391FAC3C5}" type="slidenum">
+            <a:fld id="{D5D9C1A4-A130-4C7C-9424-77C4AA1F7AB9}" type="slidenum">
               <a:rPr lang="zh-CN" altLang="en-US" smtClean="0"/>
               <a:t>‹#›</a:t>
             </a:fld>
@@ -723,7 +723,7 @@
     </p:spTree>
     <p:extLst>
       <p:ext uri="{BB962C8B-B14F-4D97-AF65-F5344CB8AC3E}">
-        <p14:creationId xmlns:p14="http://schemas.microsoft.com/office/powerpoint/2010/main" val="1746434329"/>
+        <p14:creationId xmlns:p14="http://schemas.microsoft.com/office/powerpoint/2010/main" val="2724889439"/>
       </p:ext>
     </p:extLst>
   </p:cSld>
@@ -755,7 +755,7 @@
           <p:cNvPr id="2" name="标题 1">
             <a:extLst>
               <a:ext uri="{FF2B5EF4-FFF2-40B4-BE49-F238E27FC236}">
-                <a16:creationId xmlns:a16="http://schemas.microsoft.com/office/drawing/2014/main" id="{E56B7E79-694F-1203-99F9-A705C53195DD}"/>
+                <a16:creationId xmlns:a16="http://schemas.microsoft.com/office/drawing/2014/main" id="{C9F9EFE7-23DD-71DE-1F5A-73EC8E4202B2}"/>
               </a:ext>
             </a:extLst>
           </p:cNvPr>
@@ -783,7 +783,7 @@
           <p:cNvPr id="3" name="内容占位符 2">
             <a:extLst>
               <a:ext uri="{FF2B5EF4-FFF2-40B4-BE49-F238E27FC236}">
-                <a16:creationId xmlns:a16="http://schemas.microsoft.com/office/drawing/2014/main" id="{AD2EF348-0BD1-FE56-339A-65FDF814F579}"/>
+                <a16:creationId xmlns:a16="http://schemas.microsoft.com/office/drawing/2014/main" id="{D86DA481-ED98-7F70-7D7C-5122679FD392}"/>
               </a:ext>
             </a:extLst>
           </p:cNvPr>
@@ -840,7 +840,7 @@
           <p:cNvPr id="4" name="日期占位符 3">
             <a:extLst>
               <a:ext uri="{FF2B5EF4-FFF2-40B4-BE49-F238E27FC236}">
-                <a16:creationId xmlns:a16="http://schemas.microsoft.com/office/drawing/2014/main" id="{96687EB8-F80E-92DF-3D97-F0B9F402CF87}"/>
+                <a16:creationId xmlns:a16="http://schemas.microsoft.com/office/drawing/2014/main" id="{4041CF19-8429-5499-6F36-9CDFBFB04DAE}"/>
               </a:ext>
             </a:extLst>
           </p:cNvPr>
@@ -856,7 +856,7 @@
           <a:bodyPr/>
           <a:lstStyle/>
           <a:p>
-            <a:fld id="{15B8B784-1C0F-4E43-B19E-3B8FC95B1044}" type="datetimeFigureOut">
+            <a:fld id="{F2F8D19B-2A9A-455E-9C56-ACA2C4BEA96C}" type="datetimeFigureOut">
               <a:rPr lang="zh-CN" altLang="en-US" smtClean="0"/>
               <a:t>2024/3/10</a:t>
             </a:fld>
@@ -869,7 +869,7 @@
           <p:cNvPr id="5" name="页脚占位符 4">
             <a:extLst>
               <a:ext uri="{FF2B5EF4-FFF2-40B4-BE49-F238E27FC236}">
-                <a16:creationId xmlns:a16="http://schemas.microsoft.com/office/drawing/2014/main" id="{4F0BB0EC-B04A-745C-5CA8-B10E51B840AD}"/>
+                <a16:creationId xmlns:a16="http://schemas.microsoft.com/office/drawing/2014/main" id="{DD166D25-8CC3-0507-77BC-024C07A50842}"/>
               </a:ext>
             </a:extLst>
           </p:cNvPr>
@@ -894,7 +894,7 @@
           <p:cNvPr id="6" name="灯片编号占位符 5">
             <a:extLst>
               <a:ext uri="{FF2B5EF4-FFF2-40B4-BE49-F238E27FC236}">
-                <a16:creationId xmlns:a16="http://schemas.microsoft.com/office/drawing/2014/main" id="{4FCB5C13-34BE-5482-E455-C1BF93601FB5}"/>
+                <a16:creationId xmlns:a16="http://schemas.microsoft.com/office/drawing/2014/main" id="{A5D1ED5F-C6A1-54E6-8FD5-EBFA2892526B}"/>
               </a:ext>
             </a:extLst>
           </p:cNvPr>
@@ -910,7 +910,7 @@
           <a:bodyPr/>
           <a:lstStyle/>
           <a:p>
-            <a:fld id="{356B963D-3557-4FBE-B604-647391FAC3C5}" type="slidenum">
+            <a:fld id="{D5D9C1A4-A130-4C7C-9424-77C4AA1F7AB9}" type="slidenum">
               <a:rPr lang="zh-CN" altLang="en-US" smtClean="0"/>
               <a:t>‹#›</a:t>
             </a:fld>
@@ -921,7 +921,7 @@
     </p:spTree>
     <p:extLst>
       <p:ext uri="{BB962C8B-B14F-4D97-AF65-F5344CB8AC3E}">
-        <p14:creationId xmlns:p14="http://schemas.microsoft.com/office/powerpoint/2010/main" val="1669622305"/>
+        <p14:creationId xmlns:p14="http://schemas.microsoft.com/office/powerpoint/2010/main" val="3078151812"/>
       </p:ext>
     </p:extLst>
   </p:cSld>
@@ -953,7 +953,7 @@
           <p:cNvPr id="2" name="标题 1">
             <a:extLst>
               <a:ext uri="{FF2B5EF4-FFF2-40B4-BE49-F238E27FC236}">
-                <a16:creationId xmlns:a16="http://schemas.microsoft.com/office/drawing/2014/main" id="{0021E6B0-4613-5F19-0DB7-55FC6BA805C1}"/>
+                <a16:creationId xmlns:a16="http://schemas.microsoft.com/office/drawing/2014/main" id="{D3E1C215-63C6-A55C-80CE-DFC256E0FCB5}"/>
               </a:ext>
             </a:extLst>
           </p:cNvPr>
@@ -990,7 +990,7 @@
           <p:cNvPr id="3" name="文本占位符 2">
             <a:extLst>
               <a:ext uri="{FF2B5EF4-FFF2-40B4-BE49-F238E27FC236}">
-                <a16:creationId xmlns:a16="http://schemas.microsoft.com/office/drawing/2014/main" id="{84CCBD26-5C0B-BC8B-AE65-6217D144CEEE}"/>
+                <a16:creationId xmlns:a16="http://schemas.microsoft.com/office/drawing/2014/main" id="{C8172C68-40FD-8F59-554A-7637F5BAE618}"/>
               </a:ext>
             </a:extLst>
           </p:cNvPr>
@@ -1115,7 +1115,7 @@
           <p:cNvPr id="4" name="日期占位符 3">
             <a:extLst>
               <a:ext uri="{FF2B5EF4-FFF2-40B4-BE49-F238E27FC236}">
-                <a16:creationId xmlns:a16="http://schemas.microsoft.com/office/drawing/2014/main" id="{8D41370F-CC8B-2A72-3456-F1D1070E4684}"/>
+                <a16:creationId xmlns:a16="http://schemas.microsoft.com/office/drawing/2014/main" id="{66DD0F6D-AD7D-7AE6-14F4-470CDB323500}"/>
               </a:ext>
             </a:extLst>
           </p:cNvPr>
@@ -1131,7 +1131,7 @@
           <a:bodyPr/>
           <a:lstStyle/>
           <a:p>
-            <a:fld id="{15B8B784-1C0F-4E43-B19E-3B8FC95B1044}" type="datetimeFigureOut">
+            <a:fld id="{F2F8D19B-2A9A-455E-9C56-ACA2C4BEA96C}" type="datetimeFigureOut">
               <a:rPr lang="zh-CN" altLang="en-US" smtClean="0"/>
               <a:t>2024/3/10</a:t>
             </a:fld>
@@ -1144,7 +1144,7 @@
           <p:cNvPr id="5" name="页脚占位符 4">
             <a:extLst>
               <a:ext uri="{FF2B5EF4-FFF2-40B4-BE49-F238E27FC236}">
-                <a16:creationId xmlns:a16="http://schemas.microsoft.com/office/drawing/2014/main" id="{D3A85054-43ED-B3C6-3E15-F4B0EEFCA4EB}"/>
+                <a16:creationId xmlns:a16="http://schemas.microsoft.com/office/drawing/2014/main" id="{C7CCCF74-4E3B-5C46-2EF3-E181205381B4}"/>
               </a:ext>
             </a:extLst>
           </p:cNvPr>
@@ -1169,7 +1169,7 @@
           <p:cNvPr id="6" name="灯片编号占位符 5">
             <a:extLst>
               <a:ext uri="{FF2B5EF4-FFF2-40B4-BE49-F238E27FC236}">
-                <a16:creationId xmlns:a16="http://schemas.microsoft.com/office/drawing/2014/main" id="{221BB872-1E1B-D610-62DE-9A5EA8F7CEA0}"/>
+                <a16:creationId xmlns:a16="http://schemas.microsoft.com/office/drawing/2014/main" id="{9B9B0F8E-665A-83A3-ADE6-E80A9738D4E1}"/>
               </a:ext>
             </a:extLst>
           </p:cNvPr>
@@ -1185,7 +1185,7 @@
           <a:bodyPr/>
           <a:lstStyle/>
           <a:p>
-            <a:fld id="{356B963D-3557-4FBE-B604-647391FAC3C5}" type="slidenum">
+            <a:fld id="{D5D9C1A4-A130-4C7C-9424-77C4AA1F7AB9}" type="slidenum">
               <a:rPr lang="zh-CN" altLang="en-US" smtClean="0"/>
               <a:t>‹#›</a:t>
             </a:fld>
@@ -1196,7 +1196,7 @@
     </p:spTree>
     <p:extLst>
       <p:ext uri="{BB962C8B-B14F-4D97-AF65-F5344CB8AC3E}">
-        <p14:creationId xmlns:p14="http://schemas.microsoft.com/office/powerpoint/2010/main" val="640349859"/>
+        <p14:creationId xmlns:p14="http://schemas.microsoft.com/office/powerpoint/2010/main" val="4087920849"/>
       </p:ext>
     </p:extLst>
   </p:cSld>
@@ -1228,7 +1228,7 @@
           <p:cNvPr id="2" name="标题 1">
             <a:extLst>
               <a:ext uri="{FF2B5EF4-FFF2-40B4-BE49-F238E27FC236}">
-                <a16:creationId xmlns:a16="http://schemas.microsoft.com/office/drawing/2014/main" id="{9C6A064E-56D6-992B-C120-2709898C0E2F}"/>
+                <a16:creationId xmlns:a16="http://schemas.microsoft.com/office/drawing/2014/main" id="{F6446471-16D1-6F46-99CD-57CB0CE614C6}"/>
               </a:ext>
             </a:extLst>
           </p:cNvPr>
@@ -1256,7 +1256,7 @@
           <p:cNvPr id="3" name="内容占位符 2">
             <a:extLst>
               <a:ext uri="{FF2B5EF4-FFF2-40B4-BE49-F238E27FC236}">
-                <a16:creationId xmlns:a16="http://schemas.microsoft.com/office/drawing/2014/main" id="{F31170D8-D37D-E7F2-B80D-0F84DA8D4D9C}"/>
+                <a16:creationId xmlns:a16="http://schemas.microsoft.com/office/drawing/2014/main" id="{DC0D21AF-6D86-AF61-A2E7-BFCA58452011}"/>
               </a:ext>
             </a:extLst>
           </p:cNvPr>
@@ -1318,7 +1318,7 @@
           <p:cNvPr id="4" name="内容占位符 3">
             <a:extLst>
               <a:ext uri="{FF2B5EF4-FFF2-40B4-BE49-F238E27FC236}">
-                <a16:creationId xmlns:a16="http://schemas.microsoft.com/office/drawing/2014/main" id="{06223DD8-7025-3F09-72E9-85C4853CAAF3}"/>
+                <a16:creationId xmlns:a16="http://schemas.microsoft.com/office/drawing/2014/main" id="{81C995EF-8673-CCC8-0ACA-DFA5317A4AAC}"/>
               </a:ext>
             </a:extLst>
           </p:cNvPr>
@@ -1380,7 +1380,7 @@
           <p:cNvPr id="5" name="日期占位符 4">
             <a:extLst>
               <a:ext uri="{FF2B5EF4-FFF2-40B4-BE49-F238E27FC236}">
-                <a16:creationId xmlns:a16="http://schemas.microsoft.com/office/drawing/2014/main" id="{9B1380DC-B3B8-929B-45E6-EC04E9ECD01A}"/>
+                <a16:creationId xmlns:a16="http://schemas.microsoft.com/office/drawing/2014/main" id="{EE222361-59D8-9FE0-BBD5-8A7AFCFC5B35}"/>
               </a:ext>
             </a:extLst>
           </p:cNvPr>
@@ -1396,7 +1396,7 @@
           <a:bodyPr/>
           <a:lstStyle/>
           <a:p>
-            <a:fld id="{15B8B784-1C0F-4E43-B19E-3B8FC95B1044}" type="datetimeFigureOut">
+            <a:fld id="{F2F8D19B-2A9A-455E-9C56-ACA2C4BEA96C}" type="datetimeFigureOut">
               <a:rPr lang="zh-CN" altLang="en-US" smtClean="0"/>
               <a:t>2024/3/10</a:t>
             </a:fld>
@@ -1409,7 +1409,7 @@
           <p:cNvPr id="6" name="页脚占位符 5">
             <a:extLst>
               <a:ext uri="{FF2B5EF4-FFF2-40B4-BE49-F238E27FC236}">
-                <a16:creationId xmlns:a16="http://schemas.microsoft.com/office/drawing/2014/main" id="{0FE1E3B7-D098-33A3-AD78-EF364DEB54CD}"/>
+                <a16:creationId xmlns:a16="http://schemas.microsoft.com/office/drawing/2014/main" id="{885D5834-C3F9-6746-3025-DD9A385E7D1D}"/>
               </a:ext>
             </a:extLst>
           </p:cNvPr>
@@ -1434,7 +1434,7 @@
           <p:cNvPr id="7" name="灯片编号占位符 6">
             <a:extLst>
               <a:ext uri="{FF2B5EF4-FFF2-40B4-BE49-F238E27FC236}">
-                <a16:creationId xmlns:a16="http://schemas.microsoft.com/office/drawing/2014/main" id="{FBDEA8DE-A8A2-1E07-3646-15CD1EBE32A2}"/>
+                <a16:creationId xmlns:a16="http://schemas.microsoft.com/office/drawing/2014/main" id="{473E8537-CE98-90A8-5378-0B89B955B014}"/>
               </a:ext>
             </a:extLst>
           </p:cNvPr>
@@ -1450,7 +1450,7 @@
           <a:bodyPr/>
           <a:lstStyle/>
           <a:p>
-            <a:fld id="{356B963D-3557-4FBE-B604-647391FAC3C5}" type="slidenum">
+            <a:fld id="{D5D9C1A4-A130-4C7C-9424-77C4AA1F7AB9}" type="slidenum">
               <a:rPr lang="zh-CN" altLang="en-US" smtClean="0"/>
               <a:t>‹#›</a:t>
             </a:fld>
@@ -1461,7 +1461,7 @@
     </p:spTree>
     <p:extLst>
       <p:ext uri="{BB962C8B-B14F-4D97-AF65-F5344CB8AC3E}">
-        <p14:creationId xmlns:p14="http://schemas.microsoft.com/office/powerpoint/2010/main" val="832943978"/>
+        <p14:creationId xmlns:p14="http://schemas.microsoft.com/office/powerpoint/2010/main" val="1840008427"/>
       </p:ext>
     </p:extLst>
   </p:cSld>
@@ -1493,7 +1493,7 @@
           <p:cNvPr id="2" name="标题 1">
             <a:extLst>
               <a:ext uri="{FF2B5EF4-FFF2-40B4-BE49-F238E27FC236}">
-                <a16:creationId xmlns:a16="http://schemas.microsoft.com/office/drawing/2014/main" id="{D1F531DB-BBD5-2E8F-1544-E6393AFF7B62}"/>
+                <a16:creationId xmlns:a16="http://schemas.microsoft.com/office/drawing/2014/main" id="{ECAC926D-1D2E-F9D5-31EB-D42A0F8C05A1}"/>
               </a:ext>
             </a:extLst>
           </p:cNvPr>
@@ -1526,7 +1526,7 @@
           <p:cNvPr id="3" name="文本占位符 2">
             <a:extLst>
               <a:ext uri="{FF2B5EF4-FFF2-40B4-BE49-F238E27FC236}">
-                <a16:creationId xmlns:a16="http://schemas.microsoft.com/office/drawing/2014/main" id="{095AD293-8F9A-A120-EE43-2A966A4E3988}"/>
+                <a16:creationId xmlns:a16="http://schemas.microsoft.com/office/drawing/2014/main" id="{2B36B71F-1698-AA36-91EB-782327EED9BB}"/>
               </a:ext>
             </a:extLst>
           </p:cNvPr>
@@ -1597,7 +1597,7 @@
           <p:cNvPr id="4" name="内容占位符 3">
             <a:extLst>
               <a:ext uri="{FF2B5EF4-FFF2-40B4-BE49-F238E27FC236}">
-                <a16:creationId xmlns:a16="http://schemas.microsoft.com/office/drawing/2014/main" id="{CA6D2ACA-B13F-245F-228D-30B12556287A}"/>
+                <a16:creationId xmlns:a16="http://schemas.microsoft.com/office/drawing/2014/main" id="{5DA4A355-2E9C-7EB7-382D-CF1D692BB4B7}"/>
               </a:ext>
             </a:extLst>
           </p:cNvPr>
@@ -1659,7 +1659,7 @@
           <p:cNvPr id="5" name="文本占位符 4">
             <a:extLst>
               <a:ext uri="{FF2B5EF4-FFF2-40B4-BE49-F238E27FC236}">
-                <a16:creationId xmlns:a16="http://schemas.microsoft.com/office/drawing/2014/main" id="{0ACEFC1C-DA52-D342-B0C4-DED0AA101BC9}"/>
+                <a16:creationId xmlns:a16="http://schemas.microsoft.com/office/drawing/2014/main" id="{C3C3497C-B90D-9FCF-8EAB-22AECD5A62FA}"/>
               </a:ext>
             </a:extLst>
           </p:cNvPr>
@@ -1730,7 +1730,7 @@
           <p:cNvPr id="6" name="内容占位符 5">
             <a:extLst>
               <a:ext uri="{FF2B5EF4-FFF2-40B4-BE49-F238E27FC236}">
-                <a16:creationId xmlns:a16="http://schemas.microsoft.com/office/drawing/2014/main" id="{6F14CD76-806C-6651-11C4-770622115AE1}"/>
+                <a16:creationId xmlns:a16="http://schemas.microsoft.com/office/drawing/2014/main" id="{6900B376-3D7D-3571-5BD9-5742354A0B12}"/>
               </a:ext>
             </a:extLst>
           </p:cNvPr>
@@ -1792,7 +1792,7 @@
           <p:cNvPr id="7" name="日期占位符 6">
             <a:extLst>
               <a:ext uri="{FF2B5EF4-FFF2-40B4-BE49-F238E27FC236}">
-                <a16:creationId xmlns:a16="http://schemas.microsoft.com/office/drawing/2014/main" id="{28545638-2999-E54D-7F39-EC04D02DEF25}"/>
+                <a16:creationId xmlns:a16="http://schemas.microsoft.com/office/drawing/2014/main" id="{D28069AF-5164-51DF-3BD9-A372C42EAEA8}"/>
               </a:ext>
             </a:extLst>
           </p:cNvPr>
@@ -1808,7 +1808,7 @@
           <a:bodyPr/>
           <a:lstStyle/>
           <a:p>
-            <a:fld id="{15B8B784-1C0F-4E43-B19E-3B8FC95B1044}" type="datetimeFigureOut">
+            <a:fld id="{F2F8D19B-2A9A-455E-9C56-ACA2C4BEA96C}" type="datetimeFigureOut">
               <a:rPr lang="zh-CN" altLang="en-US" smtClean="0"/>
               <a:t>2024/3/10</a:t>
             </a:fld>
@@ -1821,7 +1821,7 @@
           <p:cNvPr id="8" name="页脚占位符 7">
             <a:extLst>
               <a:ext uri="{FF2B5EF4-FFF2-40B4-BE49-F238E27FC236}">
-                <a16:creationId xmlns:a16="http://schemas.microsoft.com/office/drawing/2014/main" id="{98EF6442-8C60-66AC-28E2-359E4D7CC919}"/>
+                <a16:creationId xmlns:a16="http://schemas.microsoft.com/office/drawing/2014/main" id="{BE76CD6C-6C3D-27BE-81D3-C61D788027EA}"/>
               </a:ext>
             </a:extLst>
           </p:cNvPr>
@@ -1846,7 +1846,7 @@
           <p:cNvPr id="9" name="灯片编号占位符 8">
             <a:extLst>
               <a:ext uri="{FF2B5EF4-FFF2-40B4-BE49-F238E27FC236}">
-                <a16:creationId xmlns:a16="http://schemas.microsoft.com/office/drawing/2014/main" id="{D01EEE6F-BCC0-383F-FA14-FFE2A749F002}"/>
+                <a16:creationId xmlns:a16="http://schemas.microsoft.com/office/drawing/2014/main" id="{842ED79B-6188-7706-CE84-89519DE48AB3}"/>
               </a:ext>
             </a:extLst>
           </p:cNvPr>
@@ -1862,7 +1862,7 @@
           <a:bodyPr/>
           <a:lstStyle/>
           <a:p>
-            <a:fld id="{356B963D-3557-4FBE-B604-647391FAC3C5}" type="slidenum">
+            <a:fld id="{D5D9C1A4-A130-4C7C-9424-77C4AA1F7AB9}" type="slidenum">
               <a:rPr lang="zh-CN" altLang="en-US" smtClean="0"/>
               <a:t>‹#›</a:t>
             </a:fld>
@@ -1873,7 +1873,7 @@
     </p:spTree>
     <p:extLst>
       <p:ext uri="{BB962C8B-B14F-4D97-AF65-F5344CB8AC3E}">
-        <p14:creationId xmlns:p14="http://schemas.microsoft.com/office/powerpoint/2010/main" val="3205261104"/>
+        <p14:creationId xmlns:p14="http://schemas.microsoft.com/office/powerpoint/2010/main" val="1113006375"/>
       </p:ext>
     </p:extLst>
   </p:cSld>
@@ -1905,7 +1905,7 @@
           <p:cNvPr id="2" name="标题 1">
             <a:extLst>
               <a:ext uri="{FF2B5EF4-FFF2-40B4-BE49-F238E27FC236}">
-                <a16:creationId xmlns:a16="http://schemas.microsoft.com/office/drawing/2014/main" id="{FF84D7E4-A26B-D208-75B2-FC44D8D7A202}"/>
+                <a16:creationId xmlns:a16="http://schemas.microsoft.com/office/drawing/2014/main" id="{385BC0FC-3224-7EBD-2A56-B73B0D3CFEF4}"/>
               </a:ext>
             </a:extLst>
           </p:cNvPr>
@@ -1933,7 +1933,7 @@
           <p:cNvPr id="3" name="日期占位符 2">
             <a:extLst>
               <a:ext uri="{FF2B5EF4-FFF2-40B4-BE49-F238E27FC236}">
-                <a16:creationId xmlns:a16="http://schemas.microsoft.com/office/drawing/2014/main" id="{43963367-FBAD-0BE4-0470-41D39DD4F2F2}"/>
+                <a16:creationId xmlns:a16="http://schemas.microsoft.com/office/drawing/2014/main" id="{45B4266F-2C32-0732-60A7-B67197DC6DE2}"/>
               </a:ext>
             </a:extLst>
           </p:cNvPr>
@@ -1949,7 +1949,7 @@
           <a:bodyPr/>
           <a:lstStyle/>
           <a:p>
-            <a:fld id="{15B8B784-1C0F-4E43-B19E-3B8FC95B1044}" type="datetimeFigureOut">
+            <a:fld id="{F2F8D19B-2A9A-455E-9C56-ACA2C4BEA96C}" type="datetimeFigureOut">
               <a:rPr lang="zh-CN" altLang="en-US" smtClean="0"/>
               <a:t>2024/3/10</a:t>
             </a:fld>
@@ -1962,7 +1962,7 @@
           <p:cNvPr id="4" name="页脚占位符 3">
             <a:extLst>
               <a:ext uri="{FF2B5EF4-FFF2-40B4-BE49-F238E27FC236}">
-                <a16:creationId xmlns:a16="http://schemas.microsoft.com/office/drawing/2014/main" id="{53DD9D37-5751-8ABE-6EEF-097277006E0E}"/>
+                <a16:creationId xmlns:a16="http://schemas.microsoft.com/office/drawing/2014/main" id="{844B7D80-5A62-23A2-CEE4-70F7ADBA43F5}"/>
               </a:ext>
             </a:extLst>
           </p:cNvPr>
@@ -1987,7 +1987,7 @@
           <p:cNvPr id="5" name="灯片编号占位符 4">
             <a:extLst>
               <a:ext uri="{FF2B5EF4-FFF2-40B4-BE49-F238E27FC236}">
-                <a16:creationId xmlns:a16="http://schemas.microsoft.com/office/drawing/2014/main" id="{3F71AD3E-6FB1-5604-397E-C129BEBCF4B2}"/>
+                <a16:creationId xmlns:a16="http://schemas.microsoft.com/office/drawing/2014/main" id="{F5426377-36F9-08B0-1EBA-249EA49B3788}"/>
               </a:ext>
             </a:extLst>
           </p:cNvPr>
@@ -2003,7 +2003,7 @@
           <a:bodyPr/>
           <a:lstStyle/>
           <a:p>
-            <a:fld id="{356B963D-3557-4FBE-B604-647391FAC3C5}" type="slidenum">
+            <a:fld id="{D5D9C1A4-A130-4C7C-9424-77C4AA1F7AB9}" type="slidenum">
               <a:rPr lang="zh-CN" altLang="en-US" smtClean="0"/>
               <a:t>‹#›</a:t>
             </a:fld>
@@ -2014,7 +2014,7 @@
     </p:spTree>
     <p:extLst>
       <p:ext uri="{BB962C8B-B14F-4D97-AF65-F5344CB8AC3E}">
-        <p14:creationId xmlns:p14="http://schemas.microsoft.com/office/powerpoint/2010/main" val="2051922051"/>
+        <p14:creationId xmlns:p14="http://schemas.microsoft.com/office/powerpoint/2010/main" val="1620157059"/>
       </p:ext>
     </p:extLst>
   </p:cSld>
@@ -2046,7 +2046,7 @@
           <p:cNvPr id="2" name="日期占位符 1">
             <a:extLst>
               <a:ext uri="{FF2B5EF4-FFF2-40B4-BE49-F238E27FC236}">
-                <a16:creationId xmlns:a16="http://schemas.microsoft.com/office/drawing/2014/main" id="{BA97EDB4-5491-40E3-0A36-24FC5C3E87F1}"/>
+                <a16:creationId xmlns:a16="http://schemas.microsoft.com/office/drawing/2014/main" id="{90EBDE01-E8D1-A767-5C19-5553E7B55357}"/>
               </a:ext>
             </a:extLst>
           </p:cNvPr>
@@ -2062,7 +2062,7 @@
           <a:bodyPr/>
           <a:lstStyle/>
           <a:p>
-            <a:fld id="{15B8B784-1C0F-4E43-B19E-3B8FC95B1044}" type="datetimeFigureOut">
+            <a:fld id="{F2F8D19B-2A9A-455E-9C56-ACA2C4BEA96C}" type="datetimeFigureOut">
               <a:rPr lang="zh-CN" altLang="en-US" smtClean="0"/>
               <a:t>2024/3/10</a:t>
             </a:fld>
@@ -2075,7 +2075,7 @@
           <p:cNvPr id="3" name="页脚占位符 2">
             <a:extLst>
               <a:ext uri="{FF2B5EF4-FFF2-40B4-BE49-F238E27FC236}">
-                <a16:creationId xmlns:a16="http://schemas.microsoft.com/office/drawing/2014/main" id="{E41EE574-02A4-9EDC-9805-28400220FA9F}"/>
+                <a16:creationId xmlns:a16="http://schemas.microsoft.com/office/drawing/2014/main" id="{458537E7-FC82-F2DB-BA7F-07433C4DC080}"/>
               </a:ext>
             </a:extLst>
           </p:cNvPr>
@@ -2100,7 +2100,7 @@
           <p:cNvPr id="4" name="灯片编号占位符 3">
             <a:extLst>
               <a:ext uri="{FF2B5EF4-FFF2-40B4-BE49-F238E27FC236}">
-                <a16:creationId xmlns:a16="http://schemas.microsoft.com/office/drawing/2014/main" id="{8E1DCB67-93FE-5048-D78D-16CA2AD3FA58}"/>
+                <a16:creationId xmlns:a16="http://schemas.microsoft.com/office/drawing/2014/main" id="{A0295D19-04DB-C1F5-20E8-2F2DA122AFE9}"/>
               </a:ext>
             </a:extLst>
           </p:cNvPr>
@@ -2116,7 +2116,7 @@
           <a:bodyPr/>
           <a:lstStyle/>
           <a:p>
-            <a:fld id="{356B963D-3557-4FBE-B604-647391FAC3C5}" type="slidenum">
+            <a:fld id="{D5D9C1A4-A130-4C7C-9424-77C4AA1F7AB9}" type="slidenum">
               <a:rPr lang="zh-CN" altLang="en-US" smtClean="0"/>
               <a:t>‹#›</a:t>
             </a:fld>
@@ -2127,7 +2127,7 @@
     </p:spTree>
     <p:extLst>
       <p:ext uri="{BB962C8B-B14F-4D97-AF65-F5344CB8AC3E}">
-        <p14:creationId xmlns:p14="http://schemas.microsoft.com/office/powerpoint/2010/main" val="1582621361"/>
+        <p14:creationId xmlns:p14="http://schemas.microsoft.com/office/powerpoint/2010/main" val="463908869"/>
       </p:ext>
     </p:extLst>
   </p:cSld>
@@ -2159,7 +2159,7 @@
           <p:cNvPr id="2" name="标题 1">
             <a:extLst>
               <a:ext uri="{FF2B5EF4-FFF2-40B4-BE49-F238E27FC236}">
-                <a16:creationId xmlns:a16="http://schemas.microsoft.com/office/drawing/2014/main" id="{CD41C6BE-2B29-BD53-CD5A-9DA3D00E02F4}"/>
+                <a16:creationId xmlns:a16="http://schemas.microsoft.com/office/drawing/2014/main" id="{08CBBCD9-A6E0-EDFE-73C6-5683F8C4063F}"/>
               </a:ext>
             </a:extLst>
           </p:cNvPr>
@@ -2196,7 +2196,7 @@
           <p:cNvPr id="3" name="内容占位符 2">
             <a:extLst>
               <a:ext uri="{FF2B5EF4-FFF2-40B4-BE49-F238E27FC236}">
-                <a16:creationId xmlns:a16="http://schemas.microsoft.com/office/drawing/2014/main" id="{792C4F0B-955D-577A-9B96-60304BE00AD8}"/>
+                <a16:creationId xmlns:a16="http://schemas.microsoft.com/office/drawing/2014/main" id="{74A711CB-B2A4-A668-683C-493FBBFC93C1}"/>
               </a:ext>
             </a:extLst>
           </p:cNvPr>
@@ -2286,7 +2286,7 @@
           <p:cNvPr id="4" name="文本占位符 3">
             <a:extLst>
               <a:ext uri="{FF2B5EF4-FFF2-40B4-BE49-F238E27FC236}">
-                <a16:creationId xmlns:a16="http://schemas.microsoft.com/office/drawing/2014/main" id="{96CD2D3A-39B8-9627-7A74-4279D385B7FC}"/>
+                <a16:creationId xmlns:a16="http://schemas.microsoft.com/office/drawing/2014/main" id="{11933BEC-702B-C605-6DBE-94811DFDFDC2}"/>
               </a:ext>
             </a:extLst>
           </p:cNvPr>
@@ -2357,7 +2357,7 @@
           <p:cNvPr id="5" name="日期占位符 4">
             <a:extLst>
               <a:ext uri="{FF2B5EF4-FFF2-40B4-BE49-F238E27FC236}">
-                <a16:creationId xmlns:a16="http://schemas.microsoft.com/office/drawing/2014/main" id="{54260D79-DE46-2FD6-DAEC-C0BA329FE096}"/>
+                <a16:creationId xmlns:a16="http://schemas.microsoft.com/office/drawing/2014/main" id="{46440B83-00DA-6F78-1146-92AA40B9EEB8}"/>
               </a:ext>
             </a:extLst>
           </p:cNvPr>
@@ -2373,7 +2373,7 @@
           <a:bodyPr/>
           <a:lstStyle/>
           <a:p>
-            <a:fld id="{15B8B784-1C0F-4E43-B19E-3B8FC95B1044}" type="datetimeFigureOut">
+            <a:fld id="{F2F8D19B-2A9A-455E-9C56-ACA2C4BEA96C}" type="datetimeFigureOut">
               <a:rPr lang="zh-CN" altLang="en-US" smtClean="0"/>
               <a:t>2024/3/10</a:t>
             </a:fld>
@@ -2386,7 +2386,7 @@
           <p:cNvPr id="6" name="页脚占位符 5">
             <a:extLst>
               <a:ext uri="{FF2B5EF4-FFF2-40B4-BE49-F238E27FC236}">
-                <a16:creationId xmlns:a16="http://schemas.microsoft.com/office/drawing/2014/main" id="{B87D96FE-2ECD-31C9-DEA1-62132D37A2AD}"/>
+                <a16:creationId xmlns:a16="http://schemas.microsoft.com/office/drawing/2014/main" id="{21DEBAC4-4C12-D7BB-1C3E-78A0BCB29A7E}"/>
               </a:ext>
             </a:extLst>
           </p:cNvPr>
@@ -2411,7 +2411,7 @@
           <p:cNvPr id="7" name="灯片编号占位符 6">
             <a:extLst>
               <a:ext uri="{FF2B5EF4-FFF2-40B4-BE49-F238E27FC236}">
-                <a16:creationId xmlns:a16="http://schemas.microsoft.com/office/drawing/2014/main" id="{F762F81E-243B-2DD4-1EFF-44A4EF328E7C}"/>
+                <a16:creationId xmlns:a16="http://schemas.microsoft.com/office/drawing/2014/main" id="{72704120-38AE-D4B4-F044-2C827CD0ACE2}"/>
               </a:ext>
             </a:extLst>
           </p:cNvPr>
@@ -2427,7 +2427,7 @@
           <a:bodyPr/>
           <a:lstStyle/>
           <a:p>
-            <a:fld id="{356B963D-3557-4FBE-B604-647391FAC3C5}" type="slidenum">
+            <a:fld id="{D5D9C1A4-A130-4C7C-9424-77C4AA1F7AB9}" type="slidenum">
               <a:rPr lang="zh-CN" altLang="en-US" smtClean="0"/>
               <a:t>‹#›</a:t>
             </a:fld>
@@ -2438,7 +2438,7 @@
     </p:spTree>
     <p:extLst>
       <p:ext uri="{BB962C8B-B14F-4D97-AF65-F5344CB8AC3E}">
-        <p14:creationId xmlns:p14="http://schemas.microsoft.com/office/powerpoint/2010/main" val="297946499"/>
+        <p14:creationId xmlns:p14="http://schemas.microsoft.com/office/powerpoint/2010/main" val="1306492657"/>
       </p:ext>
     </p:extLst>
   </p:cSld>
@@ -2470,7 +2470,7 @@
           <p:cNvPr id="2" name="标题 1">
             <a:extLst>
               <a:ext uri="{FF2B5EF4-FFF2-40B4-BE49-F238E27FC236}">
-                <a16:creationId xmlns:a16="http://schemas.microsoft.com/office/drawing/2014/main" id="{ED6A8BCF-B428-BAF1-DE2F-8976A3636DD0}"/>
+                <a16:creationId xmlns:a16="http://schemas.microsoft.com/office/drawing/2014/main" id="{C2C3A8A8-1FC6-EFAE-B709-21F0C1E7FECB}"/>
               </a:ext>
             </a:extLst>
           </p:cNvPr>
@@ -2507,7 +2507,7 @@
           <p:cNvPr id="3" name="图片占位符 2">
             <a:extLst>
               <a:ext uri="{FF2B5EF4-FFF2-40B4-BE49-F238E27FC236}">
-                <a16:creationId xmlns:a16="http://schemas.microsoft.com/office/drawing/2014/main" id="{A78C05A9-3519-006F-C5E4-3BC74D534F0C}"/>
+                <a16:creationId xmlns:a16="http://schemas.microsoft.com/office/drawing/2014/main" id="{995BCFDC-1F19-7863-339F-802F9AD8C9EA}"/>
               </a:ext>
             </a:extLst>
           </p:cNvPr>
@@ -2574,7 +2574,7 @@
           <p:cNvPr id="4" name="文本占位符 3">
             <a:extLst>
               <a:ext uri="{FF2B5EF4-FFF2-40B4-BE49-F238E27FC236}">
-                <a16:creationId xmlns:a16="http://schemas.microsoft.com/office/drawing/2014/main" id="{150FD507-B278-0913-CD83-6A53F79CF1C5}"/>
+                <a16:creationId xmlns:a16="http://schemas.microsoft.com/office/drawing/2014/main" id="{8D26A557-4566-B5D4-490D-7624182D4E43}"/>
               </a:ext>
             </a:extLst>
           </p:cNvPr>
@@ -2645,7 +2645,7 @@
           <p:cNvPr id="5" name="日期占位符 4">
             <a:extLst>
               <a:ext uri="{FF2B5EF4-FFF2-40B4-BE49-F238E27FC236}">
-                <a16:creationId xmlns:a16="http://schemas.microsoft.com/office/drawing/2014/main" id="{B2BAF4CA-2461-7EFA-C7A3-BD5720147836}"/>
+                <a16:creationId xmlns:a16="http://schemas.microsoft.com/office/drawing/2014/main" id="{E965F95F-2A94-A117-15B2-FF58E1BAE480}"/>
               </a:ext>
             </a:extLst>
           </p:cNvPr>
@@ -2661,7 +2661,7 @@
           <a:bodyPr/>
           <a:lstStyle/>
           <a:p>
-            <a:fld id="{15B8B784-1C0F-4E43-B19E-3B8FC95B1044}" type="datetimeFigureOut">
+            <a:fld id="{F2F8D19B-2A9A-455E-9C56-ACA2C4BEA96C}" type="datetimeFigureOut">
               <a:rPr lang="zh-CN" altLang="en-US" smtClean="0"/>
               <a:t>2024/3/10</a:t>
             </a:fld>
@@ -2674,7 +2674,7 @@
           <p:cNvPr id="6" name="页脚占位符 5">
             <a:extLst>
               <a:ext uri="{FF2B5EF4-FFF2-40B4-BE49-F238E27FC236}">
-                <a16:creationId xmlns:a16="http://schemas.microsoft.com/office/drawing/2014/main" id="{DD67A6CF-94E2-63D2-ACEC-C81EACADCA0F}"/>
+                <a16:creationId xmlns:a16="http://schemas.microsoft.com/office/drawing/2014/main" id="{378D1157-0E39-B8EF-9900-5A318FE5A195}"/>
               </a:ext>
             </a:extLst>
           </p:cNvPr>
@@ -2699,7 +2699,7 @@
           <p:cNvPr id="7" name="灯片编号占位符 6">
             <a:extLst>
               <a:ext uri="{FF2B5EF4-FFF2-40B4-BE49-F238E27FC236}">
-                <a16:creationId xmlns:a16="http://schemas.microsoft.com/office/drawing/2014/main" id="{9E71D5C5-0B71-BA14-A4E7-0CF3F2EA57B7}"/>
+                <a16:creationId xmlns:a16="http://schemas.microsoft.com/office/drawing/2014/main" id="{C7B42ECE-CA77-06E1-2DA8-9ABF03C250C6}"/>
               </a:ext>
             </a:extLst>
           </p:cNvPr>
@@ -2715,7 +2715,7 @@
           <a:bodyPr/>
           <a:lstStyle/>
           <a:p>
-            <a:fld id="{356B963D-3557-4FBE-B604-647391FAC3C5}" type="slidenum">
+            <a:fld id="{D5D9C1A4-A130-4C7C-9424-77C4AA1F7AB9}" type="slidenum">
               <a:rPr lang="zh-CN" altLang="en-US" smtClean="0"/>
               <a:t>‹#›</a:t>
             </a:fld>
@@ -2726,7 +2726,7 @@
     </p:spTree>
     <p:extLst>
       <p:ext uri="{BB962C8B-B14F-4D97-AF65-F5344CB8AC3E}">
-        <p14:creationId xmlns:p14="http://schemas.microsoft.com/office/powerpoint/2010/main" val="1404664234"/>
+        <p14:creationId xmlns:p14="http://schemas.microsoft.com/office/powerpoint/2010/main" val="2611364463"/>
       </p:ext>
     </p:extLst>
   </p:cSld>
@@ -2763,7 +2763,7 @@
           <p:cNvPr id="2" name="标题占位符 1">
             <a:extLst>
               <a:ext uri="{FF2B5EF4-FFF2-40B4-BE49-F238E27FC236}">
-                <a16:creationId xmlns:a16="http://schemas.microsoft.com/office/drawing/2014/main" id="{CB103B33-742D-1FDC-358B-B3C51C5A29EA}"/>
+                <a16:creationId xmlns:a16="http://schemas.microsoft.com/office/drawing/2014/main" id="{3D3D4AAF-49CA-2F6E-3802-46FCE8A49BD6}"/>
               </a:ext>
             </a:extLst>
           </p:cNvPr>
@@ -2801,7 +2801,7 @@
           <p:cNvPr id="3" name="文本占位符 2">
             <a:extLst>
               <a:ext uri="{FF2B5EF4-FFF2-40B4-BE49-F238E27FC236}">
-                <a16:creationId xmlns:a16="http://schemas.microsoft.com/office/drawing/2014/main" id="{55A4586F-C64A-8E54-058D-744D753C4766}"/>
+                <a16:creationId xmlns:a16="http://schemas.microsoft.com/office/drawing/2014/main" id="{861850DC-4987-F95F-4338-A113C8BC803D}"/>
               </a:ext>
             </a:extLst>
           </p:cNvPr>
@@ -2868,7 +2868,7 @@
           <p:cNvPr id="4" name="日期占位符 3">
             <a:extLst>
               <a:ext uri="{FF2B5EF4-FFF2-40B4-BE49-F238E27FC236}">
-                <a16:creationId xmlns:a16="http://schemas.microsoft.com/office/drawing/2014/main" id="{04324852-C314-DFA1-6BAD-5C44EE437B52}"/>
+                <a16:creationId xmlns:a16="http://schemas.microsoft.com/office/drawing/2014/main" id="{865B7400-E9DD-C584-31FF-3A1C1BA991FB}"/>
               </a:ext>
             </a:extLst>
           </p:cNvPr>
@@ -2902,7 +2902,7 @@
             </a:lvl1pPr>
           </a:lstStyle>
           <a:p>
-            <a:fld id="{15B8B784-1C0F-4E43-B19E-3B8FC95B1044}" type="datetimeFigureOut">
+            <a:fld id="{F2F8D19B-2A9A-455E-9C56-ACA2C4BEA96C}" type="datetimeFigureOut">
               <a:rPr lang="zh-CN" altLang="en-US" smtClean="0"/>
               <a:t>2024/3/10</a:t>
             </a:fld>
@@ -2915,7 +2915,7 @@
           <p:cNvPr id="5" name="页脚占位符 4">
             <a:extLst>
               <a:ext uri="{FF2B5EF4-FFF2-40B4-BE49-F238E27FC236}">
-                <a16:creationId xmlns:a16="http://schemas.microsoft.com/office/drawing/2014/main" id="{3AA12E0F-4D54-EAE6-FEFB-091105D05EA5}"/>
+                <a16:creationId xmlns:a16="http://schemas.microsoft.com/office/drawing/2014/main" id="{D5960ABB-BBFA-A8B1-EBEF-F7A8333BDD48}"/>
               </a:ext>
             </a:extLst>
           </p:cNvPr>
@@ -2958,7 +2958,7 @@
           <p:cNvPr id="6" name="灯片编号占位符 5">
             <a:extLst>
               <a:ext uri="{FF2B5EF4-FFF2-40B4-BE49-F238E27FC236}">
-                <a16:creationId xmlns:a16="http://schemas.microsoft.com/office/drawing/2014/main" id="{E8F34172-514D-C0BD-D4C2-F09CFC785234}"/>
+                <a16:creationId xmlns:a16="http://schemas.microsoft.com/office/drawing/2014/main" id="{F4AC06B7-6A66-A1DD-1E80-842A245DA04A}"/>
               </a:ext>
             </a:extLst>
           </p:cNvPr>
@@ -2992,7 +2992,7 @@
             </a:lvl1pPr>
           </a:lstStyle>
           <a:p>
-            <a:fld id="{356B963D-3557-4FBE-B604-647391FAC3C5}" type="slidenum">
+            <a:fld id="{D5D9C1A4-A130-4C7C-9424-77C4AA1F7AB9}" type="slidenum">
               <a:rPr lang="zh-CN" altLang="en-US" smtClean="0"/>
               <a:t>‹#›</a:t>
             </a:fld>
@@ -3003,7 +3003,7 @@
     </p:spTree>
     <p:extLst>
       <p:ext uri="{BB962C8B-B14F-4D97-AF65-F5344CB8AC3E}">
-        <p14:creationId xmlns:p14="http://schemas.microsoft.com/office/powerpoint/2010/main" val="1833296041"/>
+        <p14:creationId xmlns:p14="http://schemas.microsoft.com/office/powerpoint/2010/main" val="3584962352"/>
       </p:ext>
     </p:extLst>
   </p:cSld>
@@ -3323,7 +3323,7 @@
       </p:grpSpPr>
       <p:pic>
         <p:nvPicPr>
-          <p:cNvPr id="1114114" name="Picture 2" descr="1087"/>
+          <p:cNvPr id="1115138" name="Picture 2" descr="1088"/>
           <p:cNvPicPr>
             <a:picLocks noChangeAspect="1" noChangeArrowheads="1"/>
           </p:cNvPicPr>
@@ -3344,8 +3344,8 @@
         </p:blipFill>
         <p:spPr bwMode="auto">
           <a:xfrm>
-            <a:off x="1524000" y="0"/>
-            <a:ext cx="9144000" cy="6858000"/>
+            <a:off x="1524000" y="1"/>
+            <a:ext cx="9055100" cy="6791325"/>
           </a:xfrm>
           <a:prstGeom prst="rect">
             <a:avLst/>
@@ -3375,11 +3375,158 @@
           </a:extLst>
         </p:spPr>
       </p:pic>
+      <p:pic>
+        <p:nvPicPr>
+          <p:cNvPr id="1116163" name="Picture 3" descr="1088-2"/>
+          <p:cNvPicPr>
+            <a:picLocks noChangeAspect="1" noChangeArrowheads="1"/>
+          </p:cNvPicPr>
+          <p:nvPr/>
+        </p:nvPicPr>
+        <p:blipFill>
+          <a:blip r:embed="rId3">
+            <a:extLst>
+              <a:ext uri="{28A0092B-C50C-407E-A947-70E740481C1C}">
+                <a14:useLocalDpi xmlns:a14="http://schemas.microsoft.com/office/drawing/2010/main" val="0"/>
+              </a:ext>
+            </a:extLst>
+          </a:blip>
+          <a:srcRect/>
+          <a:stretch>
+            <a:fillRect/>
+          </a:stretch>
+        </p:blipFill>
+        <p:spPr bwMode="auto">
+          <a:xfrm>
+            <a:off x="1524001" y="0"/>
+            <a:ext cx="9053513" cy="6789738"/>
+          </a:xfrm>
+          <a:prstGeom prst="rect">
+            <a:avLst/>
+          </a:prstGeom>
+          <a:noFill/>
+          <a:ln>
+            <a:noFill/>
+          </a:ln>
+          <a:effectLst/>
+          <a:extLst>
+            <a:ext uri="{909E8E84-426E-40DD-AFC4-6F175D3DCCD1}">
+              <a14:hiddenFill xmlns:a14="http://schemas.microsoft.com/office/drawing/2010/main">
+                <a:solidFill>
+                  <a:srgbClr val="FFFFFF"/>
+                </a:solidFill>
+              </a14:hiddenFill>
+            </a:ext>
+            <a:ext uri="{91240B29-F687-4F45-9708-019B960494DF}">
+              <a14:hiddenLine xmlns:a14="http://schemas.microsoft.com/office/drawing/2010/main" w="9525">
+                <a:solidFill>
+                  <a:srgbClr val="000000"/>
+                </a:solidFill>
+                <a:miter lim="800000"/>
+                <a:headEnd/>
+                <a:tailEnd/>
+              </a14:hiddenLine>
+            </a:ext>
+            <a:ext uri="{AF507438-7753-43E0-B8FC-AC1667EBCBE1}">
+              <a14:hiddenEffects xmlns:a14="http://schemas.microsoft.com/office/drawing/2010/main">
+                <a:effectLst>
+                  <a:outerShdw dist="35921" dir="2700000" algn="ctr" rotWithShape="0">
+                    <a:srgbClr val="808080"/>
+                  </a:outerShdw>
+                </a:effectLst>
+              </a14:hiddenEffects>
+            </a:ext>
+          </a:extLst>
+        </p:spPr>
+      </p:pic>
     </p:spTree>
   </p:cSld>
   <p:clrMapOvr>
     <a:masterClrMapping/>
   </p:clrMapOvr>
+  <p:timing>
+    <p:tnLst>
+      <p:par>
+        <p:cTn id="1" dur="indefinite" restart="never" nodeType="tmRoot">
+          <p:childTnLst>
+            <p:seq concurrent="1" nextAc="seek">
+              <p:cTn id="2" dur="indefinite" nodeType="mainSeq">
+                <p:childTnLst>
+                  <p:par>
+                    <p:cTn id="3" fill="hold" nodeType="clickPar">
+                      <p:stCondLst>
+                        <p:cond delay="indefinite"/>
+                      </p:stCondLst>
+                      <p:childTnLst>
+                        <p:par>
+                          <p:cTn id="4" fill="hold" nodeType="withGroup">
+                            <p:stCondLst>
+                              <p:cond delay="0"/>
+                            </p:stCondLst>
+                            <p:childTnLst>
+                              <p:par>
+                                <p:cTn id="5" presetID="10" presetClass="entr" presetSubtype="0" fill="hold" nodeType="clickEffect">
+                                  <p:stCondLst>
+                                    <p:cond delay="0"/>
+                                  </p:stCondLst>
+                                  <p:childTnLst>
+                                    <p:set>
+                                      <p:cBhvr>
+                                        <p:cTn id="6" dur="1" fill="hold">
+                                          <p:stCondLst>
+                                            <p:cond delay="0"/>
+                                          </p:stCondLst>
+                                        </p:cTn>
+                                        <p:tgtEl>
+                                          <p:spTgt spid="1116163"/>
+                                        </p:tgtEl>
+                                        <p:attrNameLst>
+                                          <p:attrName>style.visibility</p:attrName>
+                                        </p:attrNameLst>
+                                      </p:cBhvr>
+                                      <p:to>
+                                        <p:strVal val="visible"/>
+                                      </p:to>
+                                    </p:set>
+                                    <p:animEffect transition="in" filter="fade">
+                                      <p:cBhvr>
+                                        <p:cTn id="7" dur="500"/>
+                                        <p:tgtEl>
+                                          <p:spTgt spid="1116163"/>
+                                        </p:tgtEl>
+                                      </p:cBhvr>
+                                    </p:animEffect>
+                                  </p:childTnLst>
+                                </p:cTn>
+                              </p:par>
+                            </p:childTnLst>
+                          </p:cTn>
+                        </p:par>
+                      </p:childTnLst>
+                    </p:cTn>
+                  </p:par>
+                </p:childTnLst>
+              </p:cTn>
+              <p:prevCondLst>
+                <p:cond evt="onPrev" delay="0">
+                  <p:tgtEl>
+                    <p:sldTgt/>
+                  </p:tgtEl>
+                </p:cond>
+              </p:prevCondLst>
+              <p:nextCondLst>
+                <p:cond evt="onNext" delay="0">
+                  <p:tgtEl>
+                    <p:sldTgt/>
+                  </p:tgtEl>
+                </p:cond>
+              </p:nextCondLst>
+            </p:seq>
+          </p:childTnLst>
+        </p:cTn>
+      </p:par>
+    </p:tnLst>
+  </p:timing>
 </p:sld>
 </file>
 
